--- a/Диплом Дрозд.pptx
+++ b/Диплом Дрозд.pptx
@@ -15,20 +15,21 @@
     <p:sldId id="265" r:id="rId9"/>
     <p:sldId id="266" r:id="rId10"/>
     <p:sldId id="267" r:id="rId11"/>
-    <p:sldId id="269" r:id="rId12"/>
-    <p:sldId id="270" r:id="rId13"/>
-    <p:sldId id="271" r:id="rId14"/>
-    <p:sldId id="272" r:id="rId15"/>
-    <p:sldId id="273" r:id="rId16"/>
-    <p:sldId id="279" r:id="rId17"/>
-    <p:sldId id="280" r:id="rId18"/>
-    <p:sldId id="274" r:id="rId19"/>
-    <p:sldId id="275" r:id="rId20"/>
-    <p:sldId id="276" r:id="rId21"/>
-    <p:sldId id="278" r:id="rId22"/>
-    <p:sldId id="277" r:id="rId23"/>
-    <p:sldId id="261" r:id="rId24"/>
-    <p:sldId id="262" r:id="rId25"/>
+    <p:sldId id="281" r:id="rId12"/>
+    <p:sldId id="269" r:id="rId13"/>
+    <p:sldId id="270" r:id="rId14"/>
+    <p:sldId id="271" r:id="rId15"/>
+    <p:sldId id="272" r:id="rId16"/>
+    <p:sldId id="273" r:id="rId17"/>
+    <p:sldId id="279" r:id="rId18"/>
+    <p:sldId id="280" r:id="rId19"/>
+    <p:sldId id="274" r:id="rId20"/>
+    <p:sldId id="275" r:id="rId21"/>
+    <p:sldId id="276" r:id="rId22"/>
+    <p:sldId id="278" r:id="rId23"/>
+    <p:sldId id="277" r:id="rId24"/>
+    <p:sldId id="261" r:id="rId25"/>
+    <p:sldId id="262" r:id="rId26"/>
   </p:sldIdLst>
   <p:sldSz cx="12192000" cy="6858000"/>
   <p:notesSz cx="6858000" cy="9144000"/>
@@ -195,6 +196,7 @@
           <c:dLbls>
             <c:dLbl>
               <c:idx val="0"/>
+              <c:layout/>
               <c:dLblPos val="outEnd"/>
               <c:showLegendKey val="0"/>
               <c:showVal val="1"/>
@@ -203,7 +205,9 @@
               <c:showPercent val="0"/>
               <c:showBubbleSize val="0"/>
               <c:extLst>
-                <c:ext xmlns:c15="http://schemas.microsoft.com/office/drawing/2012/chart" uri="{CE6537A1-D6FC-4f65-9D91-7224C49458BB}"/>
+                <c:ext xmlns:c15="http://schemas.microsoft.com/office/drawing/2012/chart" uri="{CE6537A1-D6FC-4f65-9D91-7224C49458BB}">
+                  <c15:layout/>
+                </c:ext>
                 <c:ext xmlns:c16="http://schemas.microsoft.com/office/drawing/2014/chart" uri="{C3380CC4-5D6E-409C-BE32-E72D297353CC}">
                   <c16:uniqueId val="{00000007-A196-4589-A70E-7343CCAC1E85}"/>
                 </c:ext>
@@ -211,6 +215,7 @@
             </c:dLbl>
             <c:dLbl>
               <c:idx val="1"/>
+              <c:layout/>
               <c:dLblPos val="outEnd"/>
               <c:showLegendKey val="0"/>
               <c:showVal val="1"/>
@@ -219,7 +224,9 @@
               <c:showPercent val="0"/>
               <c:showBubbleSize val="0"/>
               <c:extLst>
-                <c:ext xmlns:c15="http://schemas.microsoft.com/office/drawing/2012/chart" uri="{CE6537A1-D6FC-4f65-9D91-7224C49458BB}"/>
+                <c:ext xmlns:c15="http://schemas.microsoft.com/office/drawing/2012/chart" uri="{CE6537A1-D6FC-4f65-9D91-7224C49458BB}">
+                  <c15:layout/>
+                </c:ext>
                 <c:ext xmlns:c16="http://schemas.microsoft.com/office/drawing/2014/chart" uri="{C3380CC4-5D6E-409C-BE32-E72D297353CC}">
                   <c16:uniqueId val="{00000006-A196-4589-A70E-7343CCAC1E85}"/>
                 </c:ext>
@@ -227,6 +234,7 @@
             </c:dLbl>
             <c:dLbl>
               <c:idx val="2"/>
+              <c:layout/>
               <c:dLblPos val="outEnd"/>
               <c:showLegendKey val="0"/>
               <c:showVal val="1"/>
@@ -235,7 +243,9 @@
               <c:showPercent val="0"/>
               <c:showBubbleSize val="0"/>
               <c:extLst>
-                <c:ext xmlns:c15="http://schemas.microsoft.com/office/drawing/2012/chart" uri="{CE6537A1-D6FC-4f65-9D91-7224C49458BB}"/>
+                <c:ext xmlns:c15="http://schemas.microsoft.com/office/drawing/2012/chart" uri="{CE6537A1-D6FC-4f65-9D91-7224C49458BB}">
+                  <c15:layout/>
+                </c:ext>
                 <c:ext xmlns:c16="http://schemas.microsoft.com/office/drawing/2014/chart" uri="{C3380CC4-5D6E-409C-BE32-E72D297353CC}">
                   <c16:uniqueId val="{00000005-A196-4589-A70E-7343CCAC1E85}"/>
                 </c:ext>
@@ -243,6 +253,7 @@
             </c:dLbl>
             <c:dLbl>
               <c:idx val="3"/>
+              <c:layout/>
               <c:dLblPos val="outEnd"/>
               <c:showLegendKey val="0"/>
               <c:showVal val="1"/>
@@ -251,7 +262,9 @@
               <c:showPercent val="0"/>
               <c:showBubbleSize val="0"/>
               <c:extLst>
-                <c:ext xmlns:c15="http://schemas.microsoft.com/office/drawing/2012/chart" uri="{CE6537A1-D6FC-4f65-9D91-7224C49458BB}"/>
+                <c:ext xmlns:c15="http://schemas.microsoft.com/office/drawing/2012/chart" uri="{CE6537A1-D6FC-4f65-9D91-7224C49458BB}">
+                  <c15:layout/>
+                </c:ext>
                 <c:ext xmlns:c16="http://schemas.microsoft.com/office/drawing/2014/chart" uri="{C3380CC4-5D6E-409C-BE32-E72D297353CC}">
                   <c16:uniqueId val="{00000004-A196-4589-A70E-7343CCAC1E85}"/>
                 </c:ext>
@@ -424,6 +437,7 @@
             <c:showLeaderLines val="0"/>
             <c:extLst>
               <c:ext xmlns:c15="http://schemas.microsoft.com/office/drawing/2012/chart" uri="{CE6537A1-D6FC-4f65-9D91-7224C49458BB}">
+                <c15:layout/>
                 <c15:showLeaderLines val="1"/>
                 <c15:leaderLines>
                   <c:spPr>
@@ -665,6 +679,7 @@
           </a:p>
         </c:txPr>
       </c:legendEntry>
+      <c:layout/>
       <c:overlay val="0"/>
       <c:spPr>
         <a:noFill/>
@@ -1921,7 +1936,7 @@
           <a:p>
             <a:fld id="{C2853B62-0D42-4B48-89ED-D0C6FF6BE439}" type="datetimeFigureOut">
               <a:rPr lang="ru-RU" smtClean="0"/>
-              <a:t>26.06.2020</a:t>
+              <a:t>28.06.2020</a:t>
             </a:fld>
             <a:endParaRPr lang="ru-RU"/>
           </a:p>
@@ -3041,7 +3056,7 @@
           <a:p>
             <a:fld id="{C2853B62-0D42-4B48-89ED-D0C6FF6BE439}" type="datetimeFigureOut">
               <a:rPr lang="ru-RU" smtClean="0"/>
-              <a:t>26.06.2020</a:t>
+              <a:t>28.06.2020</a:t>
             </a:fld>
             <a:endParaRPr lang="ru-RU"/>
           </a:p>
@@ -4052,7 +4067,7 @@
           <a:p>
             <a:fld id="{C2853B62-0D42-4B48-89ED-D0C6FF6BE439}" type="datetimeFigureOut">
               <a:rPr lang="ru-RU" smtClean="0"/>
-              <a:t>26.06.2020</a:t>
+              <a:t>28.06.2020</a:t>
             </a:fld>
             <a:endParaRPr lang="ru-RU"/>
           </a:p>
@@ -5222,7 +5237,7 @@
           <a:p>
             <a:fld id="{C2853B62-0D42-4B48-89ED-D0C6FF6BE439}" type="datetimeFigureOut">
               <a:rPr lang="ru-RU" smtClean="0"/>
-              <a:t>26.06.2020</a:t>
+              <a:t>28.06.2020</a:t>
             </a:fld>
             <a:endParaRPr lang="ru-RU"/>
           </a:p>
@@ -6283,7 +6298,7 @@
           <a:p>
             <a:fld id="{C2853B62-0D42-4B48-89ED-D0C6FF6BE439}" type="datetimeFigureOut">
               <a:rPr lang="ru-RU" smtClean="0"/>
-              <a:t>26.06.2020</a:t>
+              <a:t>28.06.2020</a:t>
             </a:fld>
             <a:endParaRPr lang="ru-RU"/>
           </a:p>
@@ -6929,7 +6944,7 @@
           <a:p>
             <a:fld id="{C2853B62-0D42-4B48-89ED-D0C6FF6BE439}" type="datetimeFigureOut">
               <a:rPr lang="ru-RU" smtClean="0"/>
-              <a:t>26.06.2020</a:t>
+              <a:t>28.06.2020</a:t>
             </a:fld>
             <a:endParaRPr lang="ru-RU"/>
           </a:p>
@@ -7776,7 +7791,7 @@
           <a:p>
             <a:fld id="{C2853B62-0D42-4B48-89ED-D0C6FF6BE439}" type="datetimeFigureOut">
               <a:rPr lang="ru-RU" smtClean="0"/>
-              <a:t>26.06.2020</a:t>
+              <a:t>28.06.2020</a:t>
             </a:fld>
             <a:endParaRPr lang="ru-RU"/>
           </a:p>
@@ -7951,7 +7966,7 @@
           <a:p>
             <a:fld id="{C2853B62-0D42-4B48-89ED-D0C6FF6BE439}" type="datetimeFigureOut">
               <a:rPr lang="ru-RU" smtClean="0"/>
-              <a:t>26.06.2020</a:t>
+              <a:t>28.06.2020</a:t>
             </a:fld>
             <a:endParaRPr lang="ru-RU"/>
           </a:p>
@@ -8949,7 +8964,7 @@
           <a:p>
             <a:fld id="{C2853B62-0D42-4B48-89ED-D0C6FF6BE439}" type="datetimeFigureOut">
               <a:rPr lang="ru-RU" smtClean="0"/>
-              <a:t>26.06.2020</a:t>
+              <a:t>28.06.2020</a:t>
             </a:fld>
             <a:endParaRPr lang="ru-RU"/>
           </a:p>
@@ -9155,7 +9170,7 @@
           <a:p>
             <a:fld id="{C2853B62-0D42-4B48-89ED-D0C6FF6BE439}" type="datetimeFigureOut">
               <a:rPr lang="ru-RU" smtClean="0"/>
-              <a:t>26.06.2020</a:t>
+              <a:t>28.06.2020</a:t>
             </a:fld>
             <a:endParaRPr lang="ru-RU"/>
           </a:p>
@@ -10217,7 +10232,7 @@
           <a:p>
             <a:fld id="{C2853B62-0D42-4B48-89ED-D0C6FF6BE439}" type="datetimeFigureOut">
               <a:rPr lang="ru-RU" smtClean="0"/>
-              <a:t>26.06.2020</a:t>
+              <a:t>28.06.2020</a:t>
             </a:fld>
             <a:endParaRPr lang="ru-RU"/>
           </a:p>
@@ -10489,7 +10504,7 @@
           <a:p>
             <a:fld id="{C2853B62-0D42-4B48-89ED-D0C6FF6BE439}" type="datetimeFigureOut">
               <a:rPr lang="ru-RU" smtClean="0"/>
-              <a:t>26.06.2020</a:t>
+              <a:t>28.06.2020</a:t>
             </a:fld>
             <a:endParaRPr lang="ru-RU"/>
           </a:p>
@@ -10871,7 +10886,7 @@
           <a:p>
             <a:fld id="{C2853B62-0D42-4B48-89ED-D0C6FF6BE439}" type="datetimeFigureOut">
               <a:rPr lang="ru-RU" smtClean="0"/>
-              <a:t>26.06.2020</a:t>
+              <a:t>28.06.2020</a:t>
             </a:fld>
             <a:endParaRPr lang="ru-RU"/>
           </a:p>
@@ -10989,7 +11004,7 @@
           <a:p>
             <a:fld id="{C2853B62-0D42-4B48-89ED-D0C6FF6BE439}" type="datetimeFigureOut">
               <a:rPr lang="ru-RU" smtClean="0"/>
-              <a:t>26.06.2020</a:t>
+              <a:t>28.06.2020</a:t>
             </a:fld>
             <a:endParaRPr lang="ru-RU"/>
           </a:p>
@@ -11084,7 +11099,7 @@
           <a:p>
             <a:fld id="{C2853B62-0D42-4B48-89ED-D0C6FF6BE439}" type="datetimeFigureOut">
               <a:rPr lang="ru-RU" smtClean="0"/>
-              <a:t>26.06.2020</a:t>
+              <a:t>28.06.2020</a:t>
             </a:fld>
             <a:endParaRPr lang="ru-RU"/>
           </a:p>
@@ -12193,7 +12208,7 @@
           <a:p>
             <a:fld id="{C2853B62-0D42-4B48-89ED-D0C6FF6BE439}" type="datetimeFigureOut">
               <a:rPr lang="ru-RU" smtClean="0"/>
-              <a:t>26.06.2020</a:t>
+              <a:t>28.06.2020</a:t>
             </a:fld>
             <a:endParaRPr lang="ru-RU"/>
           </a:p>
@@ -13326,7 +13341,7 @@
           <a:p>
             <a:fld id="{C2853B62-0D42-4B48-89ED-D0C6FF6BE439}" type="datetimeFigureOut">
               <a:rPr lang="ru-RU" smtClean="0"/>
-              <a:t>26.06.2020</a:t>
+              <a:t>28.06.2020</a:t>
             </a:fld>
             <a:endParaRPr lang="ru-RU"/>
           </a:p>
@@ -14354,7 +14369,7 @@
           <a:p>
             <a:fld id="{C2853B62-0D42-4B48-89ED-D0C6FF6BE439}" type="datetimeFigureOut">
               <a:rPr lang="ru-RU" smtClean="0"/>
-              <a:t>26.06.2020</a:t>
+              <a:t>28.06.2020</a:t>
             </a:fld>
             <a:endParaRPr lang="ru-RU"/>
           </a:p>
@@ -14932,15 +14947,7 @@
           <a:p>
             <a:r>
               <a:rPr lang="ru-RU" sz="4800" dirty="0" smtClean="0"/>
-              <a:t>Тема дипломного проекта: </a:t>
-            </a:r>
-            <a:r>
-              <a:rPr lang="ru-RU" sz="4800" dirty="0" smtClean="0"/>
-              <a:t>Мобильное </a:t>
-            </a:r>
-            <a:r>
-              <a:rPr lang="ru-RU" sz="4800" dirty="0" smtClean="0"/>
-              <a:t>приложение на платформе </a:t>
+              <a:t>Тема дипломного проекта: Мобильное приложение на платформе </a:t>
             </a:r>
             <a:r>
               <a:rPr lang="en-US" sz="4800" dirty="0" smtClean="0"/>
@@ -14964,7 +14971,12 @@
             <p:ph type="subTitle" idx="1"/>
           </p:nvPr>
         </p:nvSpPr>
-        <p:spPr/>
+        <p:spPr>
+          <a:xfrm>
+            <a:off x="1154955" y="5003800"/>
+            <a:ext cx="8825658" cy="635000"/>
+          </a:xfrm>
+        </p:spPr>
         <p:txBody>
           <a:bodyPr>
             <a:normAutofit/>
@@ -14972,10 +14984,10 @@
           <a:lstStyle/>
           <a:p>
             <a:r>
-              <a:rPr lang="ru-RU" cap="none" dirty="0" smtClean="0"/>
+              <a:rPr lang="ru-RU" sz="2400" cap="none" dirty="0" smtClean="0"/>
               <a:t>Разработал учащийся гр.62493 Дрозд М. А.</a:t>
             </a:r>
-            <a:endParaRPr lang="ru-RU" cap="none" dirty="0"/>
+            <a:endParaRPr lang="ru-RU" sz="2400" cap="none" dirty="0"/>
           </a:p>
         </p:txBody>
       </p:sp>
@@ -15100,6 +15112,93 @@
 </file>
 
 <file path=ppt/slides/slide11.xml><?xml version="1.0" encoding="utf-8"?>
+<p:sld xmlns:a="http://schemas.openxmlformats.org/drawingml/2006/main" xmlns:r="http://schemas.openxmlformats.org/officeDocument/2006/relationships" xmlns:p="http://schemas.openxmlformats.org/presentationml/2006/main">
+  <p:cSld>
+    <p:spTree>
+      <p:nvGrpSpPr>
+        <p:cNvPr id="1" name=""/>
+        <p:cNvGrpSpPr/>
+        <p:nvPr/>
+      </p:nvGrpSpPr>
+      <p:grpSpPr>
+        <a:xfrm>
+          <a:off x="0" y="0"/>
+          <a:ext cx="0" cy="0"/>
+          <a:chOff x="0" y="0"/>
+          <a:chExt cx="0" cy="0"/>
+        </a:xfrm>
+      </p:grpSpPr>
+      <p:sp>
+        <p:nvSpPr>
+          <p:cNvPr id="2" name="Заголовок 1"/>
+          <p:cNvSpPr>
+            <a:spLocks noGrp="1"/>
+          </p:cNvSpPr>
+          <p:nvPr>
+            <p:ph type="title"/>
+          </p:nvPr>
+        </p:nvSpPr>
+        <p:spPr/>
+        <p:txBody>
+          <a:bodyPr/>
+          <a:lstStyle/>
+          <a:p>
+            <a:pPr algn="ctr"/>
+            <a:r>
+              <a:rPr lang="ru-RU" dirty="0" smtClean="0"/>
+              <a:t>Окно админ панели с парами</a:t>
+            </a:r>
+            <a:endParaRPr lang="ru-RU" dirty="0"/>
+          </a:p>
+        </p:txBody>
+      </p:sp>
+      <p:pic>
+        <p:nvPicPr>
+          <p:cNvPr id="6" name="Объект 5"/>
+          <p:cNvPicPr>
+            <a:picLocks noGrp="1" noChangeAspect="1"/>
+          </p:cNvPicPr>
+          <p:nvPr>
+            <p:ph idx="1"/>
+          </p:nvPr>
+        </p:nvPicPr>
+        <p:blipFill>
+          <a:blip r:embed="rId2"/>
+          <a:stretch>
+            <a:fillRect/>
+          </a:stretch>
+        </p:blipFill>
+        <p:spPr>
+          <a:xfrm>
+            <a:off x="927100" y="2402482"/>
+            <a:ext cx="10468799" cy="3906878"/>
+          </a:xfrm>
+          <a:prstGeom prst="rect">
+            <a:avLst/>
+          </a:prstGeom>
+        </p:spPr>
+      </p:pic>
+    </p:spTree>
+    <p:extLst>
+      <p:ext uri="{BB962C8B-B14F-4D97-AF65-F5344CB8AC3E}">
+        <p14:creationId xmlns:p14="http://schemas.microsoft.com/office/powerpoint/2010/main" val="67771143"/>
+      </p:ext>
+    </p:extLst>
+  </p:cSld>
+  <p:clrMapOvr>
+    <a:masterClrMapping/>
+  </p:clrMapOvr>
+  <p:timing>
+    <p:tnLst>
+      <p:par>
+        <p:cTn id="1" dur="indefinite" restart="never" nodeType="tmRoot"/>
+      </p:par>
+    </p:tnLst>
+  </p:timing>
+</p:sld>
+</file>
+
+<file path=ppt/slides/slide12.xml><?xml version="1.0" encoding="utf-8"?>
 <p:sld xmlns:a="http://schemas.openxmlformats.org/drawingml/2006/main" xmlns:r="http://schemas.openxmlformats.org/officeDocument/2006/relationships" xmlns:p="http://schemas.openxmlformats.org/presentationml/2006/main">
   <p:cSld>
     <p:spTree>
@@ -15499,7 +15598,7 @@
 </p:sld>
 </file>
 
-<file path=ppt/slides/slide12.xml><?xml version="1.0" encoding="utf-8"?>
+<file path=ppt/slides/slide13.xml><?xml version="1.0" encoding="utf-8"?>
 <p:sld xmlns:a="http://schemas.openxmlformats.org/drawingml/2006/main" xmlns:r="http://schemas.openxmlformats.org/officeDocument/2006/relationships" xmlns:p="http://schemas.openxmlformats.org/presentationml/2006/main">
   <p:cSld>
     <p:spTree>
@@ -15707,7 +15806,7 @@
 </p:sld>
 </file>
 
-<file path=ppt/slides/slide13.xml><?xml version="1.0" encoding="utf-8"?>
+<file path=ppt/slides/slide14.xml><?xml version="1.0" encoding="utf-8"?>
 <p:sld xmlns:a="http://schemas.openxmlformats.org/drawingml/2006/main" xmlns:r="http://schemas.openxmlformats.org/officeDocument/2006/relationships" xmlns:p="http://schemas.openxmlformats.org/presentationml/2006/main">
   <p:cSld>
     <p:spTree>
@@ -15973,7 +16072,7 @@
 </p:sld>
 </file>
 
-<file path=ppt/slides/slide14.xml><?xml version="1.0" encoding="utf-8"?>
+<file path=ppt/slides/slide15.xml><?xml version="1.0" encoding="utf-8"?>
 <p:sld xmlns:a="http://schemas.openxmlformats.org/drawingml/2006/main" xmlns:r="http://schemas.openxmlformats.org/officeDocument/2006/relationships" xmlns:p="http://schemas.openxmlformats.org/presentationml/2006/main">
   <p:cSld>
     <p:spTree>
@@ -16099,7 +16198,7 @@
 </p:sld>
 </file>
 
-<file path=ppt/slides/slide15.xml><?xml version="1.0" encoding="utf-8"?>
+<file path=ppt/slides/slide16.xml><?xml version="1.0" encoding="utf-8"?>
 <p:sld xmlns:a="http://schemas.openxmlformats.org/drawingml/2006/main" xmlns:r="http://schemas.openxmlformats.org/officeDocument/2006/relationships" xmlns:p="http://schemas.openxmlformats.org/presentationml/2006/main">
   <p:cSld>
     <p:spTree>
@@ -16225,7 +16324,7 @@
 </p:sld>
 </file>
 
-<file path=ppt/slides/slide16.xml><?xml version="1.0" encoding="utf-8"?>
+<file path=ppt/slides/slide17.xml><?xml version="1.0" encoding="utf-8"?>
 <p:sld xmlns:a="http://schemas.openxmlformats.org/drawingml/2006/main" xmlns:r="http://schemas.openxmlformats.org/officeDocument/2006/relationships" xmlns:p="http://schemas.openxmlformats.org/presentationml/2006/main">
   <p:cSld>
     <p:spTree>
@@ -16317,7 +16416,7 @@
 </p:sld>
 </file>
 
-<file path=ppt/slides/slide17.xml><?xml version="1.0" encoding="utf-8"?>
+<file path=ppt/slides/slide18.xml><?xml version="1.0" encoding="utf-8"?>
 <p:sld xmlns:a="http://schemas.openxmlformats.org/drawingml/2006/main" xmlns:r="http://schemas.openxmlformats.org/officeDocument/2006/relationships" xmlns:p="http://schemas.openxmlformats.org/presentationml/2006/main">
   <p:cSld>
     <p:spTree>
@@ -16503,7 +16602,7 @@
 </p:sld>
 </file>
 
-<file path=ppt/slides/slide18.xml><?xml version="1.0" encoding="utf-8"?>
+<file path=ppt/slides/slide19.xml><?xml version="1.0" encoding="utf-8"?>
 <p:sld xmlns:a="http://schemas.openxmlformats.org/drawingml/2006/main" xmlns:r="http://schemas.openxmlformats.org/officeDocument/2006/relationships" xmlns:p="http://schemas.openxmlformats.org/presentationml/2006/main">
   <p:cSld>
     <p:spTree>
@@ -16603,144 +16702,6 @@
     <p:extLst>
       <p:ext uri="{BB962C8B-B14F-4D97-AF65-F5344CB8AC3E}">
         <p14:creationId xmlns:p14="http://schemas.microsoft.com/office/powerpoint/2010/main" val="3734255007"/>
-      </p:ext>
-    </p:extLst>
-  </p:cSld>
-  <p:clrMapOvr>
-    <a:masterClrMapping/>
-  </p:clrMapOvr>
-  <p:timing>
-    <p:tnLst>
-      <p:par>
-        <p:cTn id="1" dur="indefinite" restart="never" nodeType="tmRoot"/>
-      </p:par>
-    </p:tnLst>
-  </p:timing>
-</p:sld>
-</file>
-
-<file path=ppt/slides/slide19.xml><?xml version="1.0" encoding="utf-8"?>
-<p:sld xmlns:a="http://schemas.openxmlformats.org/drawingml/2006/main" xmlns:r="http://schemas.openxmlformats.org/officeDocument/2006/relationships" xmlns:p="http://schemas.openxmlformats.org/presentationml/2006/main">
-  <p:cSld>
-    <p:spTree>
-      <p:nvGrpSpPr>
-        <p:cNvPr id="1" name=""/>
-        <p:cNvGrpSpPr/>
-        <p:nvPr/>
-      </p:nvGrpSpPr>
-      <p:grpSpPr>
-        <a:xfrm>
-          <a:off x="0" y="0"/>
-          <a:ext cx="0" cy="0"/>
-          <a:chOff x="0" y="0"/>
-          <a:chExt cx="0" cy="0"/>
-        </a:xfrm>
-      </p:grpSpPr>
-      <p:sp>
-        <p:nvSpPr>
-          <p:cNvPr id="2" name="Заголовок 1"/>
-          <p:cNvSpPr>
-            <a:spLocks noGrp="1"/>
-          </p:cNvSpPr>
-          <p:nvPr>
-            <p:ph type="title"/>
-          </p:nvPr>
-        </p:nvSpPr>
-        <p:spPr>
-          <a:xfrm>
-            <a:off x="730980" y="973668"/>
-            <a:ext cx="9609360" cy="706964"/>
-          </a:xfrm>
-        </p:spPr>
-        <p:txBody>
-          <a:bodyPr/>
-          <a:lstStyle/>
-          <a:p>
-            <a:pPr algn="ctr"/>
-            <a:r>
-              <a:rPr lang="ru-RU" dirty="0" smtClean="0"/>
-              <a:t>Просмотр расписания в мобильном приложении</a:t>
-            </a:r>
-            <a:endParaRPr lang="ru-RU" dirty="0"/>
-          </a:p>
-        </p:txBody>
-      </p:sp>
-      <p:pic>
-        <p:nvPicPr>
-          <p:cNvPr id="4" name="Объект 3"/>
-          <p:cNvPicPr>
-            <a:picLocks noGrp="1" noChangeAspect="1"/>
-          </p:cNvPicPr>
-          <p:nvPr>
-            <p:ph idx="1"/>
-          </p:nvPr>
-        </p:nvPicPr>
-        <p:blipFill rotWithShape="1">
-          <a:blip r:embed="rId2"/>
-          <a:srcRect b="65242"/>
-          <a:stretch/>
-        </p:blipFill>
-        <p:spPr>
-          <a:xfrm>
-            <a:off x="571523" y="2287562"/>
-            <a:ext cx="4594837" cy="3460364"/>
-          </a:xfrm>
-          <a:prstGeom prst="rect">
-            <a:avLst/>
-          </a:prstGeom>
-        </p:spPr>
-      </p:pic>
-      <p:pic>
-        <p:nvPicPr>
-          <p:cNvPr id="5" name="Рисунок 4"/>
-          <p:cNvPicPr>
-            <a:picLocks noChangeAspect="1"/>
-          </p:cNvPicPr>
-          <p:nvPr/>
-        </p:nvPicPr>
-        <p:blipFill rotWithShape="1">
-          <a:blip r:embed="rId2"/>
-          <a:srcRect t="91375"/>
-          <a:stretch/>
-        </p:blipFill>
-        <p:spPr>
-          <a:xfrm>
-            <a:off x="571523" y="5664106"/>
-            <a:ext cx="4594837" cy="858614"/>
-          </a:xfrm>
-          <a:prstGeom prst="rect">
-            <a:avLst/>
-          </a:prstGeom>
-        </p:spPr>
-      </p:pic>
-      <p:pic>
-        <p:nvPicPr>
-          <p:cNvPr id="10" name="Объект 5"/>
-          <p:cNvPicPr>
-            <a:picLocks noChangeAspect="1"/>
-          </p:cNvPicPr>
-          <p:nvPr/>
-        </p:nvPicPr>
-        <p:blipFill>
-          <a:blip r:embed="rId3"/>
-          <a:stretch>
-            <a:fillRect/>
-          </a:stretch>
-        </p:blipFill>
-        <p:spPr>
-          <a:xfrm>
-            <a:off x="5639654" y="2682240"/>
-            <a:ext cx="5986871" cy="3840480"/>
-          </a:xfrm>
-          <a:prstGeom prst="rect">
-            <a:avLst/>
-          </a:prstGeom>
-        </p:spPr>
-      </p:pic>
-    </p:spTree>
-    <p:extLst>
-      <p:ext uri="{BB962C8B-B14F-4D97-AF65-F5344CB8AC3E}">
-        <p14:creationId xmlns:p14="http://schemas.microsoft.com/office/powerpoint/2010/main" val="3491047524"/>
       </p:ext>
     </p:extLst>
   </p:cSld>
@@ -17386,7 +17347,7 @@
             <a:pPr algn="ctr"/>
             <a:r>
               <a:rPr lang="ru-RU" dirty="0" smtClean="0"/>
-              <a:t>Просмотр преподавателей в мобильном приложении</a:t>
+              <a:t>Просмотр расписания в мобильном приложении</a:t>
             </a:r>
             <a:endParaRPr lang="ru-RU" dirty="0"/>
           </a:p>
@@ -17394,7 +17355,7 @@
       </p:sp>
       <p:pic>
         <p:nvPicPr>
-          <p:cNvPr id="6" name="Объект 5"/>
+          <p:cNvPr id="4" name="Объект 3"/>
           <p:cNvPicPr>
             <a:picLocks noGrp="1" noChangeAspect="1"/>
           </p:cNvPicPr>
@@ -17404,13 +17365,13 @@
         </p:nvPicPr>
         <p:blipFill rotWithShape="1">
           <a:blip r:embed="rId2"/>
-          <a:srcRect b="46840"/>
+          <a:srcRect b="65242"/>
           <a:stretch/>
         </p:blipFill>
         <p:spPr>
           <a:xfrm>
-            <a:off x="7599815" y="2435860"/>
-            <a:ext cx="3032217" cy="3492500"/>
+            <a:off x="571523" y="2287562"/>
+            <a:ext cx="4594837" cy="3460364"/>
           </a:xfrm>
           <a:prstGeom prst="rect">
             <a:avLst/>
@@ -17419,7 +17380,7 @@
       </p:pic>
       <p:pic>
         <p:nvPicPr>
-          <p:cNvPr id="7" name="Объект 5"/>
+          <p:cNvPr id="5" name="Рисунок 4"/>
           <p:cNvPicPr>
             <a:picLocks noChangeAspect="1"/>
           </p:cNvPicPr>
@@ -17427,13 +17388,13 @@
         </p:nvPicPr>
         <p:blipFill rotWithShape="1">
           <a:blip r:embed="rId2"/>
-          <a:srcRect t="91301"/>
+          <a:srcRect t="91375"/>
           <a:stretch/>
         </p:blipFill>
         <p:spPr>
           <a:xfrm>
-            <a:off x="7599815" y="5928360"/>
-            <a:ext cx="3032217" cy="571500"/>
+            <a:off x="571523" y="5664106"/>
+            <a:ext cx="4594837" cy="858614"/>
           </a:xfrm>
           <a:prstGeom prst="rect">
             <a:avLst/>
@@ -17442,119 +17403,32 @@
       </p:pic>
       <p:pic>
         <p:nvPicPr>
-          <p:cNvPr id="5" name="Объект 5"/>
+          <p:cNvPr id="10" name="Объект 5"/>
           <p:cNvPicPr>
             <a:picLocks noChangeAspect="1"/>
           </p:cNvPicPr>
           <p:nvPr/>
         </p:nvPicPr>
-        <p:blipFill rotWithShape="1">
-          <a:blip r:embed="rId2"/>
-          <a:srcRect l="3702" t="25748" r="44781" b="69177"/>
-          <a:stretch/>
+        <p:blipFill>
+          <a:blip r:embed="rId3"/>
+          <a:stretch>
+            <a:fillRect/>
+          </a:stretch>
         </p:blipFill>
         <p:spPr>
           <a:xfrm>
-            <a:off x="859426" y="3886200"/>
-            <a:ext cx="5221886" cy="1114426"/>
+            <a:off x="5639654" y="2682240"/>
+            <a:ext cx="5986871" cy="3840480"/>
           </a:xfrm>
           <a:prstGeom prst="rect">
             <a:avLst/>
           </a:prstGeom>
-          <a:ln w="19050">
-            <a:solidFill>
-              <a:srgbClr val="FF0000"/>
-            </a:solidFill>
-          </a:ln>
         </p:spPr>
       </p:pic>
-      <p:sp>
-        <p:nvSpPr>
-          <p:cNvPr id="3" name="Прямоугольник 2"/>
-          <p:cNvSpPr/>
-          <p:nvPr/>
-        </p:nvSpPr>
-        <p:spPr>
-          <a:xfrm>
-            <a:off x="7715250" y="4182110"/>
-            <a:ext cx="1400673" cy="247015"/>
-          </a:xfrm>
-          <a:prstGeom prst="rect">
-            <a:avLst/>
-          </a:prstGeom>
-          <a:noFill/>
-          <a:ln>
-            <a:solidFill>
-              <a:srgbClr val="FF0000"/>
-            </a:solidFill>
-          </a:ln>
-        </p:spPr>
-        <p:style>
-          <a:lnRef idx="2">
-            <a:schemeClr val="accent1">
-              <a:shade val="50000"/>
-            </a:schemeClr>
-          </a:lnRef>
-          <a:fillRef idx="1">
-            <a:schemeClr val="accent1"/>
-          </a:fillRef>
-          <a:effectRef idx="0">
-            <a:schemeClr val="accent1"/>
-          </a:effectRef>
-          <a:fontRef idx="minor">
-            <a:schemeClr val="lt1"/>
-          </a:fontRef>
-        </p:style>
-        <p:txBody>
-          <a:bodyPr rtlCol="0" anchor="ctr"/>
-          <a:lstStyle/>
-          <a:p>
-            <a:pPr algn="ctr"/>
-            <a:endParaRPr lang="ru-RU"/>
-          </a:p>
-        </p:txBody>
-      </p:sp>
-      <p:cxnSp>
-        <p:nvCxnSpPr>
-          <p:cNvPr id="8" name="Прямая соединительная линия 7"/>
-          <p:cNvCxnSpPr>
-            <a:endCxn id="3" idx="1"/>
-          </p:cNvCxnSpPr>
-          <p:nvPr/>
-        </p:nvCxnSpPr>
-        <p:spPr>
-          <a:xfrm flipV="1">
-            <a:off x="6081312" y="4305618"/>
-            <a:ext cx="1633938" cy="375920"/>
-          </a:xfrm>
-          <a:prstGeom prst="line">
-            <a:avLst/>
-          </a:prstGeom>
-          <a:ln w="19050">
-            <a:solidFill>
-              <a:srgbClr val="FF0000"/>
-            </a:solidFill>
-          </a:ln>
-        </p:spPr>
-        <p:style>
-          <a:lnRef idx="1">
-            <a:schemeClr val="accent1"/>
-          </a:lnRef>
-          <a:fillRef idx="0">
-            <a:schemeClr val="accent1"/>
-          </a:fillRef>
-          <a:effectRef idx="0">
-            <a:schemeClr val="accent1"/>
-          </a:effectRef>
-          <a:fontRef idx="minor">
-            <a:schemeClr val="tx1"/>
-          </a:fontRef>
-        </p:style>
-      </p:cxnSp>
     </p:spTree>
     <p:extLst>
       <p:ext uri="{BB962C8B-B14F-4D97-AF65-F5344CB8AC3E}">
-        <p14:creationId xmlns:p14="http://schemas.microsoft.com/office/powerpoint/2010/main" val="1003478581"/>
+        <p14:creationId xmlns:p14="http://schemas.microsoft.com/office/powerpoint/2010/main" val="3491047524"/>
       </p:ext>
     </p:extLst>
   </p:cSld>
@@ -17611,6 +17485,232 @@
             <a:pPr algn="ctr"/>
             <a:r>
               <a:rPr lang="ru-RU" dirty="0" smtClean="0"/>
+              <a:t>Просмотр преподавателей в мобильном приложении</a:t>
+            </a:r>
+            <a:endParaRPr lang="ru-RU" dirty="0"/>
+          </a:p>
+        </p:txBody>
+      </p:sp>
+      <p:pic>
+        <p:nvPicPr>
+          <p:cNvPr id="6" name="Объект 5"/>
+          <p:cNvPicPr>
+            <a:picLocks noGrp="1" noChangeAspect="1"/>
+          </p:cNvPicPr>
+          <p:nvPr>
+            <p:ph idx="1"/>
+          </p:nvPr>
+        </p:nvPicPr>
+        <p:blipFill rotWithShape="1">
+          <a:blip r:embed="rId2"/>
+          <a:srcRect b="46840"/>
+          <a:stretch/>
+        </p:blipFill>
+        <p:spPr>
+          <a:xfrm>
+            <a:off x="829648" y="2413317"/>
+            <a:ext cx="3032217" cy="3492500"/>
+          </a:xfrm>
+          <a:prstGeom prst="rect">
+            <a:avLst/>
+          </a:prstGeom>
+        </p:spPr>
+      </p:pic>
+      <p:pic>
+        <p:nvPicPr>
+          <p:cNvPr id="7" name="Объект 5"/>
+          <p:cNvPicPr>
+            <a:picLocks noChangeAspect="1"/>
+          </p:cNvPicPr>
+          <p:nvPr/>
+        </p:nvPicPr>
+        <p:blipFill rotWithShape="1">
+          <a:blip r:embed="rId2"/>
+          <a:srcRect t="91301"/>
+          <a:stretch/>
+        </p:blipFill>
+        <p:spPr>
+          <a:xfrm>
+            <a:off x="829647" y="5905817"/>
+            <a:ext cx="3032217" cy="571500"/>
+          </a:xfrm>
+          <a:prstGeom prst="rect">
+            <a:avLst/>
+          </a:prstGeom>
+        </p:spPr>
+      </p:pic>
+      <p:pic>
+        <p:nvPicPr>
+          <p:cNvPr id="5" name="Объект 5"/>
+          <p:cNvPicPr>
+            <a:picLocks noChangeAspect="1"/>
+          </p:cNvPicPr>
+          <p:nvPr/>
+        </p:nvPicPr>
+        <p:blipFill rotWithShape="1">
+          <a:blip r:embed="rId2"/>
+          <a:srcRect l="3702" t="25748" r="44781" b="69177"/>
+          <a:stretch/>
+        </p:blipFill>
+        <p:spPr>
+          <a:xfrm>
+            <a:off x="4986881" y="3566477"/>
+            <a:ext cx="6926799" cy="1478279"/>
+          </a:xfrm>
+          <a:prstGeom prst="rect">
+            <a:avLst/>
+          </a:prstGeom>
+          <a:ln w="19050">
+            <a:solidFill>
+              <a:srgbClr val="FF0000"/>
+            </a:solidFill>
+          </a:ln>
+        </p:spPr>
+      </p:pic>
+      <p:sp>
+        <p:nvSpPr>
+          <p:cNvPr id="3" name="Прямоугольник 2"/>
+          <p:cNvSpPr/>
+          <p:nvPr/>
+        </p:nvSpPr>
+        <p:spPr>
+          <a:xfrm>
+            <a:off x="1003300" y="4103422"/>
+            <a:ext cx="1466850" cy="247015"/>
+          </a:xfrm>
+          <a:prstGeom prst="rect">
+            <a:avLst/>
+          </a:prstGeom>
+          <a:noFill/>
+          <a:ln>
+            <a:solidFill>
+              <a:srgbClr val="FF0000"/>
+            </a:solidFill>
+          </a:ln>
+        </p:spPr>
+        <p:style>
+          <a:lnRef idx="2">
+            <a:schemeClr val="accent1">
+              <a:shade val="50000"/>
+            </a:schemeClr>
+          </a:lnRef>
+          <a:fillRef idx="1">
+            <a:schemeClr val="accent1"/>
+          </a:fillRef>
+          <a:effectRef idx="0">
+            <a:schemeClr val="accent1"/>
+          </a:effectRef>
+          <a:fontRef idx="minor">
+            <a:schemeClr val="lt1"/>
+          </a:fontRef>
+        </p:style>
+        <p:txBody>
+          <a:bodyPr rtlCol="0" anchor="ctr"/>
+          <a:lstStyle/>
+          <a:p>
+            <a:pPr algn="ctr"/>
+            <a:endParaRPr lang="ru-RU"/>
+          </a:p>
+        </p:txBody>
+      </p:sp>
+      <p:cxnSp>
+        <p:nvCxnSpPr>
+          <p:cNvPr id="8" name="Прямая соединительная линия 7"/>
+          <p:cNvCxnSpPr>
+            <a:stCxn id="5" idx="1"/>
+            <a:endCxn id="3" idx="3"/>
+          </p:cNvCxnSpPr>
+          <p:nvPr/>
+        </p:nvCxnSpPr>
+        <p:spPr>
+          <a:xfrm flipH="1" flipV="1">
+            <a:off x="2470150" y="4226930"/>
+            <a:ext cx="2516731" cy="78687"/>
+          </a:xfrm>
+          <a:prstGeom prst="line">
+            <a:avLst/>
+          </a:prstGeom>
+          <a:ln w="19050">
+            <a:solidFill>
+              <a:srgbClr val="FF0000"/>
+            </a:solidFill>
+          </a:ln>
+        </p:spPr>
+        <p:style>
+          <a:lnRef idx="1">
+            <a:schemeClr val="accent1"/>
+          </a:lnRef>
+          <a:fillRef idx="0">
+            <a:schemeClr val="accent1"/>
+          </a:fillRef>
+          <a:effectRef idx="0">
+            <a:schemeClr val="accent1"/>
+          </a:effectRef>
+          <a:fontRef idx="minor">
+            <a:schemeClr val="tx1"/>
+          </a:fontRef>
+        </p:style>
+      </p:cxnSp>
+    </p:spTree>
+    <p:extLst>
+      <p:ext uri="{BB962C8B-B14F-4D97-AF65-F5344CB8AC3E}">
+        <p14:creationId xmlns:p14="http://schemas.microsoft.com/office/powerpoint/2010/main" val="1003478581"/>
+      </p:ext>
+    </p:extLst>
+  </p:cSld>
+  <p:clrMapOvr>
+    <a:masterClrMapping/>
+  </p:clrMapOvr>
+  <p:timing>
+    <p:tnLst>
+      <p:par>
+        <p:cTn id="1" dur="indefinite" restart="never" nodeType="tmRoot"/>
+      </p:par>
+    </p:tnLst>
+  </p:timing>
+</p:sld>
+</file>
+
+<file path=ppt/slides/slide22.xml><?xml version="1.0" encoding="utf-8"?>
+<p:sld xmlns:a="http://schemas.openxmlformats.org/drawingml/2006/main" xmlns:r="http://schemas.openxmlformats.org/officeDocument/2006/relationships" xmlns:p="http://schemas.openxmlformats.org/presentationml/2006/main">
+  <p:cSld>
+    <p:spTree>
+      <p:nvGrpSpPr>
+        <p:cNvPr id="1" name=""/>
+        <p:cNvGrpSpPr/>
+        <p:nvPr/>
+      </p:nvGrpSpPr>
+      <p:grpSpPr>
+        <a:xfrm>
+          <a:off x="0" y="0"/>
+          <a:ext cx="0" cy="0"/>
+          <a:chOff x="0" y="0"/>
+          <a:chExt cx="0" cy="0"/>
+        </a:xfrm>
+      </p:grpSpPr>
+      <p:sp>
+        <p:nvSpPr>
+          <p:cNvPr id="2" name="Заголовок 1"/>
+          <p:cNvSpPr>
+            <a:spLocks noGrp="1"/>
+          </p:cNvSpPr>
+          <p:nvPr>
+            <p:ph type="title"/>
+          </p:nvPr>
+        </p:nvSpPr>
+        <p:spPr>
+          <a:xfrm>
+            <a:off x="730980" y="973668"/>
+            <a:ext cx="9609360" cy="706964"/>
+          </a:xfrm>
+        </p:spPr>
+        <p:txBody>
+          <a:bodyPr/>
+          <a:lstStyle/>
+          <a:p>
+            <a:pPr algn="ctr"/>
+            <a:r>
+              <a:rPr lang="ru-RU" dirty="0" smtClean="0"/>
               <a:t>Поиск по преподавателям в мобильном приложении</a:t>
             </a:r>
             <a:endParaRPr lang="ru-RU" dirty="0"/>
@@ -17662,7 +17762,7 @@
 </p:sld>
 </file>
 
-<file path=ppt/slides/slide22.xml><?xml version="1.0" encoding="utf-8"?>
+<file path=ppt/slides/slide23.xml><?xml version="1.0" encoding="utf-8"?>
 <p:sld xmlns:a="http://schemas.openxmlformats.org/drawingml/2006/main" xmlns:r="http://schemas.openxmlformats.org/officeDocument/2006/relationships" xmlns:p="http://schemas.openxmlformats.org/presentationml/2006/main">
   <p:cSld>
     <p:spTree>
@@ -17776,7 +17876,7 @@
 </p:sld>
 </file>
 
-<file path=ppt/slides/slide23.xml><?xml version="1.0" encoding="utf-8"?>
+<file path=ppt/slides/slide24.xml><?xml version="1.0" encoding="utf-8"?>
 <p:sld xmlns:a="http://schemas.openxmlformats.org/drawingml/2006/main" xmlns:r="http://schemas.openxmlformats.org/officeDocument/2006/relationships" xmlns:p="http://schemas.openxmlformats.org/presentationml/2006/main">
   <p:cSld>
     <p:spTree>
@@ -17925,7 +18025,7 @@
 </p:sld>
 </file>
 
-<file path=ppt/slides/slide24.xml><?xml version="1.0" encoding="utf-8"?>
+<file path=ppt/slides/slide25.xml><?xml version="1.0" encoding="utf-8"?>
 <p:sld xmlns:a="http://schemas.openxmlformats.org/drawingml/2006/main" xmlns:r="http://schemas.openxmlformats.org/officeDocument/2006/relationships" xmlns:p="http://schemas.openxmlformats.org/presentationml/2006/main">
   <p:cSld>
     <p:spTree>
